--- a/PracaInzV2/GrzegorzMalarskiPrezentacjaSeminarium.pptx
+++ b/PracaInzV2/GrzegorzMalarskiPrezentacjaSeminarium.pptx
@@ -9,13 +9,15 @@
     <p:sldId id="257" r:id="rId3"/>
     <p:sldId id="258" r:id="rId4"/>
     <p:sldId id="259" r:id="rId5"/>
-    <p:sldId id="260" r:id="rId6"/>
-    <p:sldId id="261" r:id="rId7"/>
-    <p:sldId id="262" r:id="rId8"/>
-    <p:sldId id="263" r:id="rId9"/>
-    <p:sldId id="264" r:id="rId10"/>
-    <p:sldId id="265" r:id="rId11"/>
-    <p:sldId id="266" r:id="rId12"/>
+    <p:sldId id="267" r:id="rId6"/>
+    <p:sldId id="260" r:id="rId7"/>
+    <p:sldId id="261" r:id="rId8"/>
+    <p:sldId id="262" r:id="rId9"/>
+    <p:sldId id="263" r:id="rId10"/>
+    <p:sldId id="264" r:id="rId11"/>
+    <p:sldId id="265" r:id="rId12"/>
+    <p:sldId id="268" r:id="rId13"/>
+    <p:sldId id="266" r:id="rId14"/>
   </p:sldIdLst>
   <p:sldSz cx="12192000" cy="6858000"/>
   <p:notesSz cx="6858000" cy="9144000"/>
@@ -114,6 +116,11 @@
       </a:defRPr>
     </a:lvl9pPr>
   </p:defaultTextStyle>
+  <p:extLst>
+    <p:ext uri="{EFAFB233-063F-42B5-8137-9DF3F51BA10A}">
+      <p15:sldGuideLst xmlns:p15="http://schemas.microsoft.com/office/powerpoint/2012/main"/>
+    </p:ext>
+  </p:extLst>
 </p:presentation>
 </file>
 
@@ -6179,8 +6186,29 @@
                 <a:latin typeface="Times New Roman" panose="02020603050405020304" pitchFamily="18" charset="0"/>
                 <a:cs typeface="Times New Roman" panose="02020603050405020304" pitchFamily="18" charset="0"/>
               </a:rPr>
-              <a:t>Grzegorz Malarski</a:t>
-            </a:r>
+              <a:t>Grzegorz </a:t>
+            </a:r>
+            <a:r>
+              <a:rPr lang="en-US" dirty="0" err="1">
+                <a:solidFill>
+                  <a:schemeClr val="tx1">
+                    <a:lumMod val="95000"/>
+                  </a:schemeClr>
+                </a:solidFill>
+                <a:latin typeface="Times New Roman" panose="02020603050405020304" pitchFamily="18" charset="0"/>
+                <a:cs typeface="Times New Roman" panose="02020603050405020304" pitchFamily="18" charset="0"/>
+              </a:rPr>
+              <a:t>Malarski</a:t>
+            </a:r>
+            <a:endParaRPr lang="en-US" dirty="0">
+              <a:solidFill>
+                <a:schemeClr val="tx1">
+                  <a:lumMod val="95000"/>
+                </a:schemeClr>
+              </a:solidFill>
+              <a:latin typeface="Times New Roman" panose="02020603050405020304" pitchFamily="18" charset="0"/>
+              <a:cs typeface="Times New Roman" panose="02020603050405020304" pitchFamily="18" charset="0"/>
+            </a:endParaRPr>
           </a:p>
           <a:p>
             <a:pPr algn="ctr"/>
@@ -6225,6 +6253,142 @@
 </file>
 
 <file path=ppt/slides/slide10.xml><?xml version="1.0" encoding="utf-8"?>
+<p:sld xmlns:a="http://schemas.openxmlformats.org/drawingml/2006/main" xmlns:r="http://schemas.openxmlformats.org/officeDocument/2006/relationships" xmlns:p="http://schemas.openxmlformats.org/presentationml/2006/main">
+  <p:cSld>
+    <p:spTree>
+      <p:nvGrpSpPr>
+        <p:cNvPr id="1" name=""/>
+        <p:cNvGrpSpPr/>
+        <p:nvPr/>
+      </p:nvGrpSpPr>
+      <p:grpSpPr>
+        <a:xfrm>
+          <a:off x="0" y="0"/>
+          <a:ext cx="0" cy="0"/>
+          <a:chOff x="0" y="0"/>
+          <a:chExt cx="0" cy="0"/>
+        </a:xfrm>
+      </p:grpSpPr>
+      <p:sp>
+        <p:nvSpPr>
+          <p:cNvPr id="3" name="Symbol zastępczy zawartości 2">
+            <a:extLst>
+              <a:ext uri="{FF2B5EF4-FFF2-40B4-BE49-F238E27FC236}">
+                <a16:creationId xmlns:a16="http://schemas.microsoft.com/office/drawing/2014/main" id="{2FCE8DCC-CCFC-4300-9C06-AECF7AD94872}"/>
+              </a:ext>
+            </a:extLst>
+          </p:cNvPr>
+          <p:cNvSpPr>
+            <a:spLocks noGrp="1"/>
+          </p:cNvSpPr>
+          <p:nvPr>
+            <p:ph idx="1"/>
+          </p:nvPr>
+        </p:nvSpPr>
+        <p:spPr>
+          <a:xfrm>
+            <a:off x="1103312" y="457200"/>
+            <a:ext cx="8946541" cy="5791199"/>
+          </a:xfrm>
+        </p:spPr>
+        <p:txBody>
+          <a:bodyPr/>
+          <a:lstStyle/>
+          <a:p>
+            <a:r>
+              <a:rPr lang="en-US" dirty="0">
+                <a:latin typeface="Times New Roman" panose="02020603050405020304" pitchFamily="18" charset="0"/>
+                <a:cs typeface="Times New Roman" panose="02020603050405020304" pitchFamily="18" charset="0"/>
+              </a:rPr>
+              <a:t>3. </a:t>
+            </a:r>
+            <a:r>
+              <a:rPr lang="en-US" dirty="0" err="1">
+                <a:latin typeface="Times New Roman" panose="02020603050405020304" pitchFamily="18" charset="0"/>
+                <a:cs typeface="Times New Roman" panose="02020603050405020304" pitchFamily="18" charset="0"/>
+              </a:rPr>
+              <a:t>Modelowanie</a:t>
+            </a:r>
+            <a:endParaRPr lang="en-US" dirty="0">
+              <a:latin typeface="Times New Roman" panose="02020603050405020304" pitchFamily="18" charset="0"/>
+              <a:cs typeface="Times New Roman" panose="02020603050405020304" pitchFamily="18" charset="0"/>
+            </a:endParaRPr>
+          </a:p>
+          <a:p>
+            <a:r>
+              <a:rPr lang="en-US" dirty="0">
+                <a:latin typeface="Times New Roman" panose="02020603050405020304" pitchFamily="18" charset="0"/>
+                <a:cs typeface="Times New Roman" panose="02020603050405020304" pitchFamily="18" charset="0"/>
+              </a:rPr>
+              <a:t>Diagram </a:t>
+            </a:r>
+            <a:r>
+              <a:rPr lang="en-US" dirty="0" err="1">
+                <a:latin typeface="Times New Roman" panose="02020603050405020304" pitchFamily="18" charset="0"/>
+                <a:cs typeface="Times New Roman" panose="02020603050405020304" pitchFamily="18" charset="0"/>
+              </a:rPr>
+              <a:t>klas</a:t>
+            </a:r>
+            <a:endParaRPr lang="en-US" dirty="0">
+              <a:latin typeface="Times New Roman" panose="02020603050405020304" pitchFamily="18" charset="0"/>
+              <a:cs typeface="Times New Roman" panose="02020603050405020304" pitchFamily="18" charset="0"/>
+            </a:endParaRPr>
+          </a:p>
+          <a:p>
+            <a:endParaRPr lang="en-US" dirty="0"/>
+          </a:p>
+        </p:txBody>
+      </p:sp>
+      <p:pic>
+        <p:nvPicPr>
+          <p:cNvPr id="5" name="Obraz 4">
+            <a:extLst>
+              <a:ext uri="{FF2B5EF4-FFF2-40B4-BE49-F238E27FC236}">
+                <a16:creationId xmlns:a16="http://schemas.microsoft.com/office/drawing/2014/main" id="{FCA1BB95-67B7-4F04-8402-AC60AA8D0B11}"/>
+              </a:ext>
+            </a:extLst>
+          </p:cNvPr>
+          <p:cNvPicPr>
+            <a:picLocks noChangeAspect="1"/>
+          </p:cNvPicPr>
+          <p:nvPr/>
+        </p:nvPicPr>
+        <p:blipFill>
+          <a:blip r:embed="rId2">
+            <a:extLst>
+              <a:ext uri="{28A0092B-C50C-407E-A947-70E740481C1C}">
+                <a14:useLocalDpi xmlns:a14="http://schemas.microsoft.com/office/drawing/2010/main" val="0"/>
+              </a:ext>
+            </a:extLst>
+          </a:blip>
+          <a:stretch>
+            <a:fillRect/>
+          </a:stretch>
+        </p:blipFill>
+        <p:spPr>
+          <a:xfrm>
+            <a:off x="2770755" y="1348319"/>
+            <a:ext cx="6337324" cy="4624872"/>
+          </a:xfrm>
+          <a:prstGeom prst="rect">
+            <a:avLst/>
+          </a:prstGeom>
+        </p:spPr>
+      </p:pic>
+    </p:spTree>
+    <p:extLst>
+      <p:ext uri="{BB962C8B-B14F-4D97-AF65-F5344CB8AC3E}">
+        <p14:creationId xmlns:p14="http://schemas.microsoft.com/office/powerpoint/2010/main" val="2280758942"/>
+      </p:ext>
+    </p:extLst>
+  </p:cSld>
+  <p:clrMapOvr>
+    <a:masterClrMapping/>
+  </p:clrMapOvr>
+</p:sld>
+</file>
+
+<file path=ppt/slides/slide11.xml><?xml version="1.0" encoding="utf-8"?>
 <p:sld xmlns:a="http://schemas.openxmlformats.org/drawingml/2006/main" xmlns:r="http://schemas.openxmlformats.org/officeDocument/2006/relationships" xmlns:p="http://schemas.openxmlformats.org/presentationml/2006/main">
   <p:cSld>
     <p:spTree>
@@ -6346,7 +6510,115 @@
 </p:sld>
 </file>
 
-<file path=ppt/slides/slide11.xml><?xml version="1.0" encoding="utf-8"?>
+<file path=ppt/slides/slide12.xml><?xml version="1.0" encoding="utf-8"?>
+<p:sld xmlns:a="http://schemas.openxmlformats.org/drawingml/2006/main" xmlns:r="http://schemas.openxmlformats.org/officeDocument/2006/relationships" xmlns:p="http://schemas.openxmlformats.org/presentationml/2006/main">
+  <p:cSld>
+    <p:spTree>
+      <p:nvGrpSpPr>
+        <p:cNvPr id="1" name=""/>
+        <p:cNvGrpSpPr/>
+        <p:nvPr/>
+      </p:nvGrpSpPr>
+      <p:grpSpPr>
+        <a:xfrm>
+          <a:off x="0" y="0"/>
+          <a:ext cx="0" cy="0"/>
+          <a:chOff x="0" y="0"/>
+          <a:chExt cx="0" cy="0"/>
+        </a:xfrm>
+      </p:grpSpPr>
+      <p:sp>
+        <p:nvSpPr>
+          <p:cNvPr id="3" name="Content Placeholder 2">
+            <a:extLst>
+              <a:ext uri="{FF2B5EF4-FFF2-40B4-BE49-F238E27FC236}">
+                <a16:creationId xmlns:a16="http://schemas.microsoft.com/office/drawing/2014/main" id="{36B3FF70-2881-4A92-B780-251EAFE7617E}"/>
+              </a:ext>
+            </a:extLst>
+          </p:cNvPr>
+          <p:cNvSpPr>
+            <a:spLocks noGrp="1"/>
+          </p:cNvSpPr>
+          <p:nvPr>
+            <p:ph idx="1"/>
+          </p:nvPr>
+        </p:nvSpPr>
+        <p:spPr>
+          <a:xfrm>
+            <a:off x="1103312" y="655984"/>
+            <a:ext cx="8946541" cy="5317433"/>
+          </a:xfrm>
+        </p:spPr>
+        <p:txBody>
+          <a:bodyPr/>
+          <a:lstStyle/>
+          <a:p>
+            <a:r>
+              <a:rPr lang="pl-PL" dirty="0"/>
+              <a:t>Użyte technologie:</a:t>
+            </a:r>
+          </a:p>
+          <a:p>
+            <a:r>
+              <a:rPr lang="pl-PL" dirty="0" err="1"/>
+              <a:t>StarUML</a:t>
+            </a:r>
+            <a:endParaRPr lang="pl-PL" dirty="0"/>
+          </a:p>
+          <a:p>
+            <a:r>
+              <a:rPr lang="pl-PL" dirty="0"/>
+              <a:t>MySQL</a:t>
+            </a:r>
+          </a:p>
+          <a:p>
+            <a:r>
+              <a:rPr lang="pl-PL" dirty="0"/>
+              <a:t>Logika biznesowa zapisująca dane do bazy danych napisana zostanie w Spring </a:t>
+            </a:r>
+            <a:r>
+              <a:rPr lang="pl-PL" dirty="0" err="1"/>
+              <a:t>Boot</a:t>
+            </a:r>
+            <a:r>
+              <a:rPr lang="pl-PL" dirty="0"/>
+              <a:t> v2.3.4. </a:t>
+            </a:r>
+          </a:p>
+          <a:p>
+            <a:r>
+              <a:rPr lang="pl-PL" dirty="0"/>
+              <a:t>Natomiast warstwa interfejsu użytkownika będzie napisana za pomocą </a:t>
+            </a:r>
+            <a:r>
+              <a:rPr lang="pl-PL" dirty="0" err="1"/>
+              <a:t>Angular</a:t>
+            </a:r>
+            <a:r>
+              <a:rPr lang="pl-PL" dirty="0"/>
+              <a:t> v11.0.3 </a:t>
+            </a:r>
+            <a:endParaRPr lang="en-US" dirty="0"/>
+          </a:p>
+          <a:p>
+            <a:endParaRPr lang="en-US" dirty="0"/>
+          </a:p>
+        </p:txBody>
+      </p:sp>
+    </p:spTree>
+    <p:extLst>
+      <p:ext uri="{BB962C8B-B14F-4D97-AF65-F5344CB8AC3E}">
+        <p14:creationId xmlns:p14="http://schemas.microsoft.com/office/powerpoint/2010/main" val="163109083"/>
+      </p:ext>
+    </p:extLst>
+  </p:cSld>
+  <p:clrMapOvr>
+    <a:masterClrMapping/>
+  </p:clrMapOvr>
+</p:sld>
+</file>
+
+<file path=ppt/slides/slide13.xml><?xml version="1.0" encoding="utf-8"?>
 <p:sld xmlns:a="http://schemas.openxmlformats.org/drawingml/2006/main" xmlns:r="http://schemas.openxmlformats.org/officeDocument/2006/relationships" xmlns:p="http://schemas.openxmlformats.org/presentationml/2006/main">
   <p:cSld>
     <p:spTree>
@@ -6951,6 +7223,135 @@
       </p:grpSpPr>
       <p:sp>
         <p:nvSpPr>
+          <p:cNvPr id="3" name="Content Placeholder 2">
+            <a:extLst>
+              <a:ext uri="{FF2B5EF4-FFF2-40B4-BE49-F238E27FC236}">
+                <a16:creationId xmlns:a16="http://schemas.microsoft.com/office/drawing/2014/main" id="{94564583-8F3F-4AE6-9B00-723E58F0AE23}"/>
+              </a:ext>
+            </a:extLst>
+          </p:cNvPr>
+          <p:cNvSpPr>
+            <a:spLocks noGrp="1"/>
+          </p:cNvSpPr>
+          <p:nvPr>
+            <p:ph idx="1"/>
+          </p:nvPr>
+        </p:nvSpPr>
+        <p:spPr>
+          <a:xfrm>
+            <a:off x="1103312" y="1123122"/>
+            <a:ext cx="8946541" cy="5125277"/>
+          </a:xfrm>
+        </p:spPr>
+        <p:txBody>
+          <a:bodyPr>
+            <a:normAutofit/>
+          </a:bodyPr>
+          <a:lstStyle/>
+          <a:p>
+            <a:r>
+              <a:rPr lang="pl-PL" dirty="0"/>
+              <a:t>Celem projektu jest stworzenie aplikacji internetowej służącej do rejestracji, planowania oraz analizy indywidualnych treningów fizycznych.</a:t>
+            </a:r>
+            <a:endParaRPr lang="en-US" dirty="0"/>
+          </a:p>
+          <a:p>
+            <a:r>
+              <a:rPr lang="pl-PL" b="1" dirty="0"/>
+              <a:t>Zakres pracy obejmować będzie:</a:t>
+            </a:r>
+            <a:endParaRPr lang="en-US" dirty="0"/>
+          </a:p>
+          <a:p>
+            <a:pPr lvl="0"/>
+            <a:r>
+              <a:rPr lang="pl-PL" dirty="0"/>
+              <a:t>Dokonanie analizy funkcjonalnej rozwiązania</a:t>
+            </a:r>
+            <a:endParaRPr lang="en-US" dirty="0"/>
+          </a:p>
+          <a:p>
+            <a:pPr lvl="0"/>
+            <a:r>
+              <a:rPr lang="pl-PL" dirty="0"/>
+              <a:t>Zaprojektowanie i implementacja bazy danych</a:t>
+            </a:r>
+            <a:endParaRPr lang="en-US" dirty="0"/>
+          </a:p>
+          <a:p>
+            <a:pPr lvl="0"/>
+            <a:r>
+              <a:rPr lang="pl-PL" dirty="0"/>
+              <a:t>Zaprojektowanie i implementacja mechanizmów wewnętrznych bazy danych</a:t>
+            </a:r>
+            <a:endParaRPr lang="en-US" dirty="0"/>
+          </a:p>
+          <a:p>
+            <a:pPr lvl="0"/>
+            <a:r>
+              <a:rPr lang="pl-PL" dirty="0"/>
+              <a:t>Zaprojektowanie interfejsu systemu</a:t>
+            </a:r>
+            <a:endParaRPr lang="en-US" dirty="0"/>
+          </a:p>
+          <a:p>
+            <a:pPr lvl="0"/>
+            <a:r>
+              <a:rPr lang="pl-PL" dirty="0"/>
+              <a:t>Utworzenie aplikacji</a:t>
+            </a:r>
+            <a:endParaRPr lang="en-US" dirty="0"/>
+          </a:p>
+          <a:p>
+            <a:pPr lvl="0"/>
+            <a:r>
+              <a:rPr lang="pl-PL" dirty="0"/>
+              <a:t>Wprowadzenie testowych danych do aplikacji</a:t>
+            </a:r>
+            <a:endParaRPr lang="en-US" dirty="0"/>
+          </a:p>
+          <a:p>
+            <a:pPr lvl="0"/>
+            <a:r>
+              <a:rPr lang="pl-PL" dirty="0"/>
+              <a:t>Testowanie aplikacji</a:t>
+            </a:r>
+            <a:endParaRPr lang="en-US" dirty="0"/>
+          </a:p>
+        </p:txBody>
+      </p:sp>
+    </p:spTree>
+    <p:extLst>
+      <p:ext uri="{BB962C8B-B14F-4D97-AF65-F5344CB8AC3E}">
+        <p14:creationId xmlns:p14="http://schemas.microsoft.com/office/powerpoint/2010/main" val="339367243"/>
+      </p:ext>
+    </p:extLst>
+  </p:cSld>
+  <p:clrMapOvr>
+    <a:masterClrMapping/>
+  </p:clrMapOvr>
+</p:sld>
+</file>
+
+<file path=ppt/slides/slide6.xml><?xml version="1.0" encoding="utf-8"?>
+<p:sld xmlns:a="http://schemas.openxmlformats.org/drawingml/2006/main" xmlns:r="http://schemas.openxmlformats.org/officeDocument/2006/relationships" xmlns:p="http://schemas.openxmlformats.org/presentationml/2006/main">
+  <p:cSld>
+    <p:spTree>
+      <p:nvGrpSpPr>
+        <p:cNvPr id="1" name=""/>
+        <p:cNvGrpSpPr/>
+        <p:nvPr/>
+      </p:nvGrpSpPr>
+      <p:grpSpPr>
+        <a:xfrm>
+          <a:off x="0" y="0"/>
+          <a:ext cx="0" cy="0"/>
+          <a:chOff x="0" y="0"/>
+          <a:chExt cx="0" cy="0"/>
+        </a:xfrm>
+      </p:grpSpPr>
+      <p:sp>
+        <p:nvSpPr>
           <p:cNvPr id="3" name="Symbol zastępczy zawartości 2">
             <a:extLst>
               <a:ext uri="{FF2B5EF4-FFF2-40B4-BE49-F238E27FC236}">
@@ -7071,10 +7472,13 @@
               </a:rPr>
               <a:t>ćwiczenia</a:t>
             </a:r>
-            <a:endParaRPr lang="pl-PL" dirty="0">
-              <a:latin typeface="Times New Roman" panose="02020603050405020304" pitchFamily="18" charset="0"/>
-              <a:cs typeface="Times New Roman" panose="02020603050405020304" pitchFamily="18" charset="0"/>
-            </a:endParaRPr>
+            <a:r>
+              <a:rPr lang="pl-PL" dirty="0">
+                <a:latin typeface="Times New Roman" panose="02020603050405020304" pitchFamily="18" charset="0"/>
+                <a:cs typeface="Times New Roman" panose="02020603050405020304" pitchFamily="18" charset="0"/>
+              </a:rPr>
+              <a:t>, dodawanie treningu do kalendarza</a:t>
+            </a:r>
           </a:p>
           <a:p>
             <a:pPr marL="342900" indent="-342900">
@@ -7186,7 +7590,7 @@
 </p:sld>
 </file>
 
-<file path=ppt/slides/slide6.xml><?xml version="1.0" encoding="utf-8"?>
+<file path=ppt/slides/slide7.xml><?xml version="1.0" encoding="utf-8"?>
 <p:sld xmlns:a="http://schemas.openxmlformats.org/drawingml/2006/main" xmlns:r="http://schemas.openxmlformats.org/officeDocument/2006/relationships" xmlns:p="http://schemas.openxmlformats.org/presentationml/2006/main">
   <p:cSld>
     <p:spTree>
@@ -7312,7 +7716,7 @@
 </p:sld>
 </file>
 
-<file path=ppt/slides/slide7.xml><?xml version="1.0" encoding="utf-8"?>
+<file path=ppt/slides/slide8.xml><?xml version="1.0" encoding="utf-8"?>
 <p:sld xmlns:a="http://schemas.openxmlformats.org/drawingml/2006/main" xmlns:r="http://schemas.openxmlformats.org/officeDocument/2006/relationships" xmlns:p="http://schemas.openxmlformats.org/presentationml/2006/main">
   <p:cSld>
     <p:spTree>
@@ -7451,7 +7855,7 @@
 </p:sld>
 </file>
 
-<file path=ppt/slides/slide8.xml><?xml version="1.0" encoding="utf-8"?>
+<file path=ppt/slides/slide9.xml><?xml version="1.0" encoding="utf-8"?>
 <p:sld xmlns:a="http://schemas.openxmlformats.org/drawingml/2006/main" xmlns:r="http://schemas.openxmlformats.org/officeDocument/2006/relationships" xmlns:p="http://schemas.openxmlformats.org/presentationml/2006/main">
   <p:cSld>
     <p:spTree>
@@ -7560,142 +7964,6 @@
     <p:extLst>
       <p:ext uri="{BB962C8B-B14F-4D97-AF65-F5344CB8AC3E}">
         <p14:creationId xmlns:p14="http://schemas.microsoft.com/office/powerpoint/2010/main" val="3519859409"/>
-      </p:ext>
-    </p:extLst>
-  </p:cSld>
-  <p:clrMapOvr>
-    <a:masterClrMapping/>
-  </p:clrMapOvr>
-</p:sld>
-</file>
-
-<file path=ppt/slides/slide9.xml><?xml version="1.0" encoding="utf-8"?>
-<p:sld xmlns:a="http://schemas.openxmlformats.org/drawingml/2006/main" xmlns:r="http://schemas.openxmlformats.org/officeDocument/2006/relationships" xmlns:p="http://schemas.openxmlformats.org/presentationml/2006/main">
-  <p:cSld>
-    <p:spTree>
-      <p:nvGrpSpPr>
-        <p:cNvPr id="1" name=""/>
-        <p:cNvGrpSpPr/>
-        <p:nvPr/>
-      </p:nvGrpSpPr>
-      <p:grpSpPr>
-        <a:xfrm>
-          <a:off x="0" y="0"/>
-          <a:ext cx="0" cy="0"/>
-          <a:chOff x="0" y="0"/>
-          <a:chExt cx="0" cy="0"/>
-        </a:xfrm>
-      </p:grpSpPr>
-      <p:sp>
-        <p:nvSpPr>
-          <p:cNvPr id="3" name="Symbol zastępczy zawartości 2">
-            <a:extLst>
-              <a:ext uri="{FF2B5EF4-FFF2-40B4-BE49-F238E27FC236}">
-                <a16:creationId xmlns:a16="http://schemas.microsoft.com/office/drawing/2014/main" id="{2FCE8DCC-CCFC-4300-9C06-AECF7AD94872}"/>
-              </a:ext>
-            </a:extLst>
-          </p:cNvPr>
-          <p:cNvSpPr>
-            <a:spLocks noGrp="1"/>
-          </p:cNvSpPr>
-          <p:nvPr>
-            <p:ph idx="1"/>
-          </p:nvPr>
-        </p:nvSpPr>
-        <p:spPr>
-          <a:xfrm>
-            <a:off x="1103312" y="457200"/>
-            <a:ext cx="8946541" cy="5791199"/>
-          </a:xfrm>
-        </p:spPr>
-        <p:txBody>
-          <a:bodyPr/>
-          <a:lstStyle/>
-          <a:p>
-            <a:r>
-              <a:rPr lang="en-US" dirty="0">
-                <a:latin typeface="Times New Roman" panose="02020603050405020304" pitchFamily="18" charset="0"/>
-                <a:cs typeface="Times New Roman" panose="02020603050405020304" pitchFamily="18" charset="0"/>
-              </a:rPr>
-              <a:t>3. </a:t>
-            </a:r>
-            <a:r>
-              <a:rPr lang="en-US" dirty="0" err="1">
-                <a:latin typeface="Times New Roman" panose="02020603050405020304" pitchFamily="18" charset="0"/>
-                <a:cs typeface="Times New Roman" panose="02020603050405020304" pitchFamily="18" charset="0"/>
-              </a:rPr>
-              <a:t>Modelowanie</a:t>
-            </a:r>
-            <a:endParaRPr lang="en-US" dirty="0">
-              <a:latin typeface="Times New Roman" panose="02020603050405020304" pitchFamily="18" charset="0"/>
-              <a:cs typeface="Times New Roman" panose="02020603050405020304" pitchFamily="18" charset="0"/>
-            </a:endParaRPr>
-          </a:p>
-          <a:p>
-            <a:r>
-              <a:rPr lang="en-US" dirty="0">
-                <a:latin typeface="Times New Roman" panose="02020603050405020304" pitchFamily="18" charset="0"/>
-                <a:cs typeface="Times New Roman" panose="02020603050405020304" pitchFamily="18" charset="0"/>
-              </a:rPr>
-              <a:t>Diagram </a:t>
-            </a:r>
-            <a:r>
-              <a:rPr lang="en-US" dirty="0" err="1">
-                <a:latin typeface="Times New Roman" panose="02020603050405020304" pitchFamily="18" charset="0"/>
-                <a:cs typeface="Times New Roman" panose="02020603050405020304" pitchFamily="18" charset="0"/>
-              </a:rPr>
-              <a:t>klas</a:t>
-            </a:r>
-            <a:endParaRPr lang="en-US" dirty="0">
-              <a:latin typeface="Times New Roman" panose="02020603050405020304" pitchFamily="18" charset="0"/>
-              <a:cs typeface="Times New Roman" panose="02020603050405020304" pitchFamily="18" charset="0"/>
-            </a:endParaRPr>
-          </a:p>
-          <a:p>
-            <a:endParaRPr lang="en-US" dirty="0"/>
-          </a:p>
-        </p:txBody>
-      </p:sp>
-      <p:pic>
-        <p:nvPicPr>
-          <p:cNvPr id="5" name="Obraz 4">
-            <a:extLst>
-              <a:ext uri="{FF2B5EF4-FFF2-40B4-BE49-F238E27FC236}">
-                <a16:creationId xmlns:a16="http://schemas.microsoft.com/office/drawing/2014/main" id="{FCA1BB95-67B7-4F04-8402-AC60AA8D0B11}"/>
-              </a:ext>
-            </a:extLst>
-          </p:cNvPr>
-          <p:cNvPicPr>
-            <a:picLocks noChangeAspect="1"/>
-          </p:cNvPicPr>
-          <p:nvPr/>
-        </p:nvPicPr>
-        <p:blipFill>
-          <a:blip r:embed="rId2">
-            <a:extLst>
-              <a:ext uri="{28A0092B-C50C-407E-A947-70E740481C1C}">
-                <a14:useLocalDpi xmlns:a14="http://schemas.microsoft.com/office/drawing/2010/main" val="0"/>
-              </a:ext>
-            </a:extLst>
-          </a:blip>
-          <a:stretch>
-            <a:fillRect/>
-          </a:stretch>
-        </p:blipFill>
-        <p:spPr>
-          <a:xfrm>
-            <a:off x="2770755" y="1348319"/>
-            <a:ext cx="6337324" cy="4624872"/>
-          </a:xfrm>
-          <a:prstGeom prst="rect">
-            <a:avLst/>
-          </a:prstGeom>
-        </p:spPr>
-      </p:pic>
-    </p:spTree>
-    <p:extLst>
-      <p:ext uri="{BB962C8B-B14F-4D97-AF65-F5344CB8AC3E}">
-        <p14:creationId xmlns:p14="http://schemas.microsoft.com/office/powerpoint/2010/main" val="2280758942"/>
       </p:ext>
     </p:extLst>
   </p:cSld>
